--- a/Daily Agendas/Day1.4_Simon2.pptx
+++ b/Daily Agendas/Day1.4_Simon2.pptx
@@ -5,11 +5,13 @@
     <p:sldMasterId id="2147483648" r:id="rId1"/>
   </p:sldMasterIdLst>
   <p:notesMasterIdLst>
-    <p:notesMasterId r:id="rId4"/>
+    <p:notesMasterId r:id="rId6"/>
   </p:notesMasterIdLst>
   <p:sldIdLst>
     <p:sldId id="258" r:id="rId2"/>
     <p:sldId id="256" r:id="rId3"/>
+    <p:sldId id="260" r:id="rId4"/>
+    <p:sldId id="259" r:id="rId5"/>
   </p:sldIdLst>
   <p:sldSz cx="9144000" cy="6858000" type="screen4x3"/>
   <p:notesSz cx="6858000" cy="9144000"/>
@@ -209,7 +211,7 @@
           <a:p>
             <a:fld id="{8B5453B2-524C-469B-AA66-C18D336BB766}" type="datetimeFigureOut">
               <a:rPr lang="en-US" smtClean="0"/>
-              <a:t>8/30/2018</a:t>
+              <a:t>9/6/2018</a:t>
             </a:fld>
             <a:endParaRPr lang="en-US"/>
           </a:p>
@@ -656,7 +658,7 @@
             <a:fld id="{1D8BD707-D9CF-40AE-B4C6-C98DA3205C09}" type="datetimeFigureOut">
               <a:rPr lang="en-US" smtClean="0"/>
               <a:pPr/>
-              <a:t>8/30/2018</a:t>
+              <a:t>9/6/2018</a:t>
             </a:fld>
             <a:endParaRPr lang="en-US"/>
           </a:p>
@@ -821,7 +823,7 @@
             <a:fld id="{1D8BD707-D9CF-40AE-B4C6-C98DA3205C09}" type="datetimeFigureOut">
               <a:rPr lang="en-US" smtClean="0"/>
               <a:pPr/>
-              <a:t>8/30/2018</a:t>
+              <a:t>9/6/2018</a:t>
             </a:fld>
             <a:endParaRPr lang="en-US"/>
           </a:p>
@@ -996,7 +998,7 @@
             <a:fld id="{1D8BD707-D9CF-40AE-B4C6-C98DA3205C09}" type="datetimeFigureOut">
               <a:rPr lang="en-US" smtClean="0"/>
               <a:pPr/>
-              <a:t>8/30/2018</a:t>
+              <a:t>9/6/2018</a:t>
             </a:fld>
             <a:endParaRPr lang="en-US"/>
           </a:p>
@@ -1161,7 +1163,7 @@
             <a:fld id="{1D8BD707-D9CF-40AE-B4C6-C98DA3205C09}" type="datetimeFigureOut">
               <a:rPr lang="en-US" smtClean="0"/>
               <a:pPr/>
-              <a:t>8/30/2018</a:t>
+              <a:t>9/6/2018</a:t>
             </a:fld>
             <a:endParaRPr lang="en-US"/>
           </a:p>
@@ -1403,7 +1405,7 @@
             <a:fld id="{1D8BD707-D9CF-40AE-B4C6-C98DA3205C09}" type="datetimeFigureOut">
               <a:rPr lang="en-US" smtClean="0"/>
               <a:pPr/>
-              <a:t>8/30/2018</a:t>
+              <a:t>9/6/2018</a:t>
             </a:fld>
             <a:endParaRPr lang="en-US"/>
           </a:p>
@@ -1685,7 +1687,7 @@
             <a:fld id="{1D8BD707-D9CF-40AE-B4C6-C98DA3205C09}" type="datetimeFigureOut">
               <a:rPr lang="en-US" smtClean="0"/>
               <a:pPr/>
-              <a:t>8/30/2018</a:t>
+              <a:t>9/6/2018</a:t>
             </a:fld>
             <a:endParaRPr lang="en-US"/>
           </a:p>
@@ -2101,7 +2103,7 @@
             <a:fld id="{1D8BD707-D9CF-40AE-B4C6-C98DA3205C09}" type="datetimeFigureOut">
               <a:rPr lang="en-US" smtClean="0"/>
               <a:pPr/>
-              <a:t>8/30/2018</a:t>
+              <a:t>9/6/2018</a:t>
             </a:fld>
             <a:endParaRPr lang="en-US"/>
           </a:p>
@@ -2215,7 +2217,7 @@
             <a:fld id="{1D8BD707-D9CF-40AE-B4C6-C98DA3205C09}" type="datetimeFigureOut">
               <a:rPr lang="en-US" smtClean="0"/>
               <a:pPr/>
-              <a:t>8/30/2018</a:t>
+              <a:t>9/6/2018</a:t>
             </a:fld>
             <a:endParaRPr lang="en-US"/>
           </a:p>
@@ -2307,7 +2309,7 @@
             <a:fld id="{1D8BD707-D9CF-40AE-B4C6-C98DA3205C09}" type="datetimeFigureOut">
               <a:rPr lang="en-US" smtClean="0"/>
               <a:pPr/>
-              <a:t>8/30/2018</a:t>
+              <a:t>9/6/2018</a:t>
             </a:fld>
             <a:endParaRPr lang="en-US"/>
           </a:p>
@@ -2579,7 +2581,7 @@
             <a:fld id="{1D8BD707-D9CF-40AE-B4C6-C98DA3205C09}" type="datetimeFigureOut">
               <a:rPr lang="en-US" smtClean="0"/>
               <a:pPr/>
-              <a:t>8/30/2018</a:t>
+              <a:t>9/6/2018</a:t>
             </a:fld>
             <a:endParaRPr lang="en-US"/>
           </a:p>
@@ -2828,7 +2830,7 @@
             <a:fld id="{1D8BD707-D9CF-40AE-B4C6-C98DA3205C09}" type="datetimeFigureOut">
               <a:rPr lang="en-US" smtClean="0"/>
               <a:pPr/>
-              <a:t>8/30/2018</a:t>
+              <a:t>9/6/2018</a:t>
             </a:fld>
             <a:endParaRPr lang="en-US"/>
           </a:p>
@@ -3036,7 +3038,7 @@
             <a:fld id="{1D8BD707-D9CF-40AE-B4C6-C98DA3205C09}" type="datetimeFigureOut">
               <a:rPr lang="en-US" smtClean="0"/>
               <a:pPr/>
-              <a:t>8/30/2018</a:t>
+              <a:t>9/6/2018</a:t>
             </a:fld>
             <a:endParaRPr lang="en-US"/>
           </a:p>
@@ -3495,6 +3497,13 @@
   <p:clrMapOvr>
     <a:masterClrMapping/>
   </p:clrMapOvr>
+  <p:timing>
+    <p:tnLst>
+      <p:par>
+        <p:cTn id="1" dur="indefinite" restart="never" nodeType="tmRoot"/>
+      </p:par>
+    </p:tnLst>
+  </p:timing>
 </p:sld>
 </file>
 
@@ -3618,6 +3627,284 @@
   <p:clrMapOvr>
     <a:masterClrMapping/>
   </p:clrMapOvr>
+  <p:timing>
+    <p:tnLst>
+      <p:par>
+        <p:cTn id="1" dur="indefinite" restart="never" nodeType="tmRoot"/>
+      </p:par>
+    </p:tnLst>
+  </p:timing>
+</p:sld>
+</file>
+
+<file path=ppt/slides/slide3.xml><?xml version="1.0" encoding="utf-8"?>
+<p:sld xmlns:a="http://schemas.openxmlformats.org/drawingml/2006/main" xmlns:r="http://schemas.openxmlformats.org/officeDocument/2006/relationships" xmlns:p="http://schemas.openxmlformats.org/presentationml/2006/main">
+  <p:cSld>
+    <p:spTree>
+      <p:nvGrpSpPr>
+        <p:cNvPr id="1" name=""/>
+        <p:cNvGrpSpPr/>
+        <p:nvPr/>
+      </p:nvGrpSpPr>
+      <p:grpSpPr>
+        <a:xfrm>
+          <a:off x="0" y="0"/>
+          <a:ext cx="0" cy="0"/>
+          <a:chOff x="0" y="0"/>
+          <a:chExt cx="0" cy="0"/>
+        </a:xfrm>
+      </p:grpSpPr>
+      <p:sp>
+        <p:nvSpPr>
+          <p:cNvPr id="2" name="Title 1"/>
+          <p:cNvSpPr>
+            <a:spLocks noGrp="1"/>
+          </p:cNvSpPr>
+          <p:nvPr>
+            <p:ph type="title"/>
+          </p:nvPr>
+        </p:nvSpPr>
+        <p:spPr/>
+        <p:txBody>
+          <a:bodyPr/>
+          <a:lstStyle/>
+          <a:p>
+            <a:r>
+              <a:rPr lang="en-CA" dirty="0" smtClean="0"/>
+              <a:t>Debrief-1</a:t>
+            </a:r>
+            <a:endParaRPr lang="en-US" dirty="0"/>
+          </a:p>
+        </p:txBody>
+      </p:sp>
+      <p:sp>
+        <p:nvSpPr>
+          <p:cNvPr id="3" name="Content Placeholder 2"/>
+          <p:cNvSpPr>
+            <a:spLocks noGrp="1"/>
+          </p:cNvSpPr>
+          <p:nvPr>
+            <p:ph idx="1"/>
+          </p:nvPr>
+        </p:nvSpPr>
+        <p:spPr/>
+        <p:txBody>
+          <a:bodyPr/>
+          <a:lstStyle/>
+          <a:p>
+            <a:r>
+              <a:rPr lang="en-CA" dirty="0" smtClean="0"/>
+              <a:t>What is the oldest game system you have played on? </a:t>
+            </a:r>
+            <a:r>
+              <a:rPr lang="en-CA" dirty="0"/>
+              <a:t>(either console or hand held)</a:t>
+            </a:r>
+            <a:endParaRPr lang="en-CA" dirty="0" smtClean="0"/>
+          </a:p>
+          <a:p>
+            <a:endParaRPr lang="en-CA" dirty="0"/>
+          </a:p>
+          <a:p>
+            <a:r>
+              <a:rPr lang="en-CA" dirty="0" smtClean="0"/>
+              <a:t>What features of Simon are similar to modern game systems?</a:t>
+            </a:r>
+            <a:endParaRPr lang="en-US" dirty="0"/>
+          </a:p>
+        </p:txBody>
+      </p:sp>
+      <p:pic>
+        <p:nvPicPr>
+          <p:cNvPr id="1026" name="Picture 2" descr="Image result for simon game"/>
+          <p:cNvPicPr>
+            <a:picLocks noChangeAspect="1" noChangeArrowheads="1"/>
+          </p:cNvPicPr>
+          <p:nvPr/>
+        </p:nvPicPr>
+        <p:blipFill>
+          <a:blip r:embed="rId2" cstate="print">
+            <a:extLst>
+              <a:ext uri="{28A0092B-C50C-407E-A947-70E740481C1C}">
+                <a14:useLocalDpi xmlns:a14="http://schemas.microsoft.com/office/drawing/2010/main" val="0"/>
+              </a:ext>
+            </a:extLst>
+          </a:blip>
+          <a:srcRect/>
+          <a:stretch>
+            <a:fillRect/>
+          </a:stretch>
+        </p:blipFill>
+        <p:spPr bwMode="auto">
+          <a:xfrm>
+            <a:off x="4606290" y="3863181"/>
+            <a:ext cx="3124200" cy="3124200"/>
+          </a:xfrm>
+          <a:prstGeom prst="rect">
+            <a:avLst/>
+          </a:prstGeom>
+          <a:noFill/>
+          <a:extLst>
+            <a:ext uri="{909E8E84-426E-40DD-AFC4-6F175D3DCCD1}">
+              <a14:hiddenFill xmlns:a14="http://schemas.microsoft.com/office/drawing/2010/main">
+                <a:solidFill>
+                  <a:srgbClr val="FFFFFF"/>
+                </a:solidFill>
+              </a14:hiddenFill>
+            </a:ext>
+          </a:extLst>
+        </p:spPr>
+      </p:pic>
+    </p:spTree>
+    <p:extLst>
+      <p:ext uri="{BB962C8B-B14F-4D97-AF65-F5344CB8AC3E}">
+        <p14:creationId xmlns:p14="http://schemas.microsoft.com/office/powerpoint/2010/main" val="522609880"/>
+      </p:ext>
+    </p:extLst>
+  </p:cSld>
+  <p:clrMapOvr>
+    <a:masterClrMapping/>
+  </p:clrMapOvr>
+  <p:timing>
+    <p:tnLst>
+      <p:par>
+        <p:cTn id="1" dur="indefinite" restart="never" nodeType="tmRoot"/>
+      </p:par>
+    </p:tnLst>
+  </p:timing>
+</p:sld>
+</file>
+
+<file path=ppt/slides/slide4.xml><?xml version="1.0" encoding="utf-8"?>
+<p:sld xmlns:a="http://schemas.openxmlformats.org/drawingml/2006/main" xmlns:r="http://schemas.openxmlformats.org/officeDocument/2006/relationships" xmlns:p="http://schemas.openxmlformats.org/presentationml/2006/main">
+  <p:cSld>
+    <p:spTree>
+      <p:nvGrpSpPr>
+        <p:cNvPr id="1" name=""/>
+        <p:cNvGrpSpPr/>
+        <p:nvPr/>
+      </p:nvGrpSpPr>
+      <p:grpSpPr>
+        <a:xfrm>
+          <a:off x="0" y="0"/>
+          <a:ext cx="0" cy="0"/>
+          <a:chOff x="0" y="0"/>
+          <a:chExt cx="0" cy="0"/>
+        </a:xfrm>
+      </p:grpSpPr>
+      <p:sp>
+        <p:nvSpPr>
+          <p:cNvPr id="2" name="Title 1"/>
+          <p:cNvSpPr>
+            <a:spLocks noGrp="1"/>
+          </p:cNvSpPr>
+          <p:nvPr>
+            <p:ph type="title"/>
+          </p:nvPr>
+        </p:nvSpPr>
+        <p:spPr/>
+        <p:txBody>
+          <a:bodyPr/>
+          <a:lstStyle/>
+          <a:p>
+            <a:r>
+              <a:rPr lang="en-CA" dirty="0" smtClean="0"/>
+              <a:t>Debrief-2</a:t>
+            </a:r>
+            <a:endParaRPr lang="en-US" dirty="0"/>
+          </a:p>
+        </p:txBody>
+      </p:sp>
+      <p:sp>
+        <p:nvSpPr>
+          <p:cNvPr id="3" name="Content Placeholder 2"/>
+          <p:cNvSpPr>
+            <a:spLocks noGrp="1"/>
+          </p:cNvSpPr>
+          <p:nvPr>
+            <p:ph idx="1"/>
+          </p:nvPr>
+        </p:nvSpPr>
+        <p:spPr/>
+        <p:txBody>
+          <a:bodyPr/>
+          <a:lstStyle/>
+          <a:p>
+            <a:r>
+              <a:rPr lang="en-CA" dirty="0" smtClean="0"/>
+              <a:t>Who Created Simon?</a:t>
+            </a:r>
+          </a:p>
+          <a:p>
+            <a:endParaRPr lang="en-CA" dirty="0"/>
+          </a:p>
+          <a:p>
+            <a:r>
+              <a:rPr lang="en-CA" dirty="0" smtClean="0"/>
+              <a:t>How is Simon related to the creation of the first game systems?</a:t>
+            </a:r>
+            <a:endParaRPr lang="en-US" dirty="0"/>
+          </a:p>
+        </p:txBody>
+      </p:sp>
+      <p:pic>
+        <p:nvPicPr>
+          <p:cNvPr id="4" name="Picture 2" descr="Image result for simon game"/>
+          <p:cNvPicPr>
+            <a:picLocks noChangeAspect="1" noChangeArrowheads="1"/>
+          </p:cNvPicPr>
+          <p:nvPr/>
+        </p:nvPicPr>
+        <p:blipFill>
+          <a:blip r:embed="rId2" cstate="print">
+            <a:extLst>
+              <a:ext uri="{28A0092B-C50C-407E-A947-70E740481C1C}">
+                <a14:useLocalDpi xmlns:a14="http://schemas.microsoft.com/office/drawing/2010/main" val="0"/>
+              </a:ext>
+            </a:extLst>
+          </a:blip>
+          <a:srcRect/>
+          <a:stretch>
+            <a:fillRect/>
+          </a:stretch>
+        </p:blipFill>
+        <p:spPr bwMode="auto">
+          <a:xfrm>
+            <a:off x="4648200" y="3581400"/>
+            <a:ext cx="3124200" cy="3124200"/>
+          </a:xfrm>
+          <a:prstGeom prst="rect">
+            <a:avLst/>
+          </a:prstGeom>
+          <a:noFill/>
+          <a:extLst>
+            <a:ext uri="{909E8E84-426E-40DD-AFC4-6F175D3DCCD1}">
+              <a14:hiddenFill xmlns:a14="http://schemas.microsoft.com/office/drawing/2010/main">
+                <a:solidFill>
+                  <a:srgbClr val="FFFFFF"/>
+                </a:solidFill>
+              </a14:hiddenFill>
+            </a:ext>
+          </a:extLst>
+        </p:spPr>
+      </p:pic>
+    </p:spTree>
+    <p:extLst>
+      <p:ext uri="{BB962C8B-B14F-4D97-AF65-F5344CB8AC3E}">
+        <p14:creationId xmlns:p14="http://schemas.microsoft.com/office/powerpoint/2010/main" val="1608995001"/>
+      </p:ext>
+    </p:extLst>
+  </p:cSld>
+  <p:clrMapOvr>
+    <a:masterClrMapping/>
+  </p:clrMapOvr>
+  <p:timing>
+    <p:tnLst>
+      <p:par>
+        <p:cTn id="1" dur="indefinite" restart="never" nodeType="tmRoot"/>
+      </p:par>
+    </p:tnLst>
+  </p:timing>
 </p:sld>
 </file>
 
